--- a/Report files/Project schematics.pptx
+++ b/Report files/Project schematics.pptx
@@ -104,6 +104,11 @@
       </a:defRPr>
     </a:lvl9pPr>
   </p:defaultTextStyle>
+  <p:extLst>
+    <p:ext uri="{EFAFB233-063F-42B5-8137-9DF3F51BA10A}">
+      <p15:sldGuideLst xmlns:p15="http://schemas.microsoft.com/office/powerpoint/2012/main"/>
+    </p:ext>
+  </p:extLst>
 </p:presentation>
 </file>
 
@@ -254,7 +259,7 @@
           <a:p>
             <a:fld id="{7F3B7470-99A8-4E49-BC53-D5A552E7084C}" type="datetimeFigureOut">
               <a:rPr lang="en-US" smtClean="0"/>
-              <a:t>06-Nov-19</a:t>
+              <a:t>02-Dec-19</a:t>
             </a:fld>
             <a:endParaRPr lang="en-US"/>
           </a:p>
@@ -452,7 +457,7 @@
           <a:p>
             <a:fld id="{7F3B7470-99A8-4E49-BC53-D5A552E7084C}" type="datetimeFigureOut">
               <a:rPr lang="en-US" smtClean="0"/>
-              <a:t>06-Nov-19</a:t>
+              <a:t>02-Dec-19</a:t>
             </a:fld>
             <a:endParaRPr lang="en-US"/>
           </a:p>
@@ -660,7 +665,7 @@
           <a:p>
             <a:fld id="{7F3B7470-99A8-4E49-BC53-D5A552E7084C}" type="datetimeFigureOut">
               <a:rPr lang="en-US" smtClean="0"/>
-              <a:t>06-Nov-19</a:t>
+              <a:t>02-Dec-19</a:t>
             </a:fld>
             <a:endParaRPr lang="en-US"/>
           </a:p>
@@ -858,7 +863,7 @@
           <a:p>
             <a:fld id="{7F3B7470-99A8-4E49-BC53-D5A552E7084C}" type="datetimeFigureOut">
               <a:rPr lang="en-US" smtClean="0"/>
-              <a:t>06-Nov-19</a:t>
+              <a:t>02-Dec-19</a:t>
             </a:fld>
             <a:endParaRPr lang="en-US"/>
           </a:p>
@@ -1133,7 +1138,7 @@
           <a:p>
             <a:fld id="{7F3B7470-99A8-4E49-BC53-D5A552E7084C}" type="datetimeFigureOut">
               <a:rPr lang="en-US" smtClean="0"/>
-              <a:t>06-Nov-19</a:t>
+              <a:t>02-Dec-19</a:t>
             </a:fld>
             <a:endParaRPr lang="en-US"/>
           </a:p>
@@ -1398,7 +1403,7 @@
           <a:p>
             <a:fld id="{7F3B7470-99A8-4E49-BC53-D5A552E7084C}" type="datetimeFigureOut">
               <a:rPr lang="en-US" smtClean="0"/>
-              <a:t>06-Nov-19</a:t>
+              <a:t>02-Dec-19</a:t>
             </a:fld>
             <a:endParaRPr lang="en-US"/>
           </a:p>
@@ -1810,7 +1815,7 @@
           <a:p>
             <a:fld id="{7F3B7470-99A8-4E49-BC53-D5A552E7084C}" type="datetimeFigureOut">
               <a:rPr lang="en-US" smtClean="0"/>
-              <a:t>06-Nov-19</a:t>
+              <a:t>02-Dec-19</a:t>
             </a:fld>
             <a:endParaRPr lang="en-US"/>
           </a:p>
@@ -1951,7 +1956,7 @@
           <a:p>
             <a:fld id="{7F3B7470-99A8-4E49-BC53-D5A552E7084C}" type="datetimeFigureOut">
               <a:rPr lang="en-US" smtClean="0"/>
-              <a:t>06-Nov-19</a:t>
+              <a:t>02-Dec-19</a:t>
             </a:fld>
             <a:endParaRPr lang="en-US"/>
           </a:p>
@@ -2064,7 +2069,7 @@
           <a:p>
             <a:fld id="{7F3B7470-99A8-4E49-BC53-D5A552E7084C}" type="datetimeFigureOut">
               <a:rPr lang="en-US" smtClean="0"/>
-              <a:t>06-Nov-19</a:t>
+              <a:t>02-Dec-19</a:t>
             </a:fld>
             <a:endParaRPr lang="en-US"/>
           </a:p>
@@ -2375,7 +2380,7 @@
           <a:p>
             <a:fld id="{7F3B7470-99A8-4E49-BC53-D5A552E7084C}" type="datetimeFigureOut">
               <a:rPr lang="en-US" smtClean="0"/>
-              <a:t>06-Nov-19</a:t>
+              <a:t>02-Dec-19</a:t>
             </a:fld>
             <a:endParaRPr lang="en-US"/>
           </a:p>
@@ -2663,7 +2668,7 @@
           <a:p>
             <a:fld id="{7F3B7470-99A8-4E49-BC53-D5A552E7084C}" type="datetimeFigureOut">
               <a:rPr lang="en-US" smtClean="0"/>
-              <a:t>06-Nov-19</a:t>
+              <a:t>02-Dec-19</a:t>
             </a:fld>
             <a:endParaRPr lang="en-US"/>
           </a:p>
@@ -2904,7 +2909,7 @@
           <a:p>
             <a:fld id="{7F3B7470-99A8-4E49-BC53-D5A552E7084C}" type="datetimeFigureOut">
               <a:rPr lang="en-US" smtClean="0"/>
-              <a:t>06-Nov-19</a:t>
+              <a:t>02-Dec-19</a:t>
             </a:fld>
             <a:endParaRPr lang="en-US"/>
           </a:p>
@@ -3375,126 +3380,7 @@
                   <a:schemeClr val="tx1"/>
                 </a:solidFill>
               </a:rPr>
-              <a:t>CNN</a:t>
-            </a:r>
-          </a:p>
-        </p:txBody>
-      </p:sp>
-      <p:sp>
-        <p:nvSpPr>
-          <p:cNvPr id="5" name="Rectangle: Rounded Corners 4">
-            <a:extLst>
-              <a:ext uri="{FF2B5EF4-FFF2-40B4-BE49-F238E27FC236}">
-                <a16:creationId xmlns:a16="http://schemas.microsoft.com/office/drawing/2014/main" id="{684E606F-50AD-474F-9FA6-6376988C52C8}"/>
-              </a:ext>
-            </a:extLst>
-          </p:cNvPr>
-          <p:cNvSpPr/>
-          <p:nvPr/>
-        </p:nvSpPr>
-        <p:spPr>
-          <a:xfrm>
-            <a:off x="6593840" y="2557026"/>
-            <a:ext cx="1940560" cy="883920"/>
-          </a:xfrm>
-          <a:prstGeom prst="roundRect">
-            <a:avLst/>
-          </a:prstGeom>
-          <a:solidFill>
-            <a:schemeClr val="accent1">
-              <a:lumMod val="40000"/>
-              <a:lumOff val="60000"/>
-            </a:schemeClr>
-          </a:solidFill>
-        </p:spPr>
-        <p:style>
-          <a:lnRef idx="2">
-            <a:schemeClr val="accent1">
-              <a:shade val="50000"/>
-            </a:schemeClr>
-          </a:lnRef>
-          <a:fillRef idx="1">
-            <a:schemeClr val="accent1"/>
-          </a:fillRef>
-          <a:effectRef idx="0">
-            <a:schemeClr val="accent1"/>
-          </a:effectRef>
-          <a:fontRef idx="minor">
-            <a:schemeClr val="lt1"/>
-          </a:fontRef>
-        </p:style>
-        <p:txBody>
-          <a:bodyPr rtlCol="0" anchor="ctr"/>
-          <a:lstStyle/>
-          <a:p>
-            <a:pPr algn="ctr"/>
-            <a:r>
-              <a:rPr lang="en-US" dirty="0">
-                <a:solidFill>
-                  <a:schemeClr val="tx1"/>
-                </a:solidFill>
-              </a:rPr>
-              <a:t>DCN Classifier</a:t>
-            </a:r>
-            <a:endParaRPr lang="en-US" dirty="0"/>
-          </a:p>
-        </p:txBody>
-      </p:sp>
-      <p:sp>
-        <p:nvSpPr>
-          <p:cNvPr id="6" name="Rectangle: Rounded Corners 5">
-            <a:extLst>
-              <a:ext uri="{FF2B5EF4-FFF2-40B4-BE49-F238E27FC236}">
-                <a16:creationId xmlns:a16="http://schemas.microsoft.com/office/drawing/2014/main" id="{F6BAABCA-6CD0-4693-BF71-B632E68DC5E3}"/>
-              </a:ext>
-            </a:extLst>
-          </p:cNvPr>
-          <p:cNvSpPr/>
-          <p:nvPr/>
-        </p:nvSpPr>
-        <p:spPr>
-          <a:xfrm>
-            <a:off x="3296920" y="2545080"/>
-            <a:ext cx="1940560" cy="883920"/>
-          </a:xfrm>
-          <a:prstGeom prst="roundRect">
-            <a:avLst/>
-          </a:prstGeom>
-          <a:solidFill>
-            <a:schemeClr val="accent1">
-              <a:lumMod val="40000"/>
-              <a:lumOff val="60000"/>
-            </a:schemeClr>
-          </a:solidFill>
-        </p:spPr>
-        <p:style>
-          <a:lnRef idx="2">
-            <a:schemeClr val="accent1">
-              <a:shade val="50000"/>
-            </a:schemeClr>
-          </a:lnRef>
-          <a:fillRef idx="1">
-            <a:schemeClr val="accent1"/>
-          </a:fillRef>
-          <a:effectRef idx="0">
-            <a:schemeClr val="accent1"/>
-          </a:effectRef>
-          <a:fontRef idx="minor">
-            <a:schemeClr val="lt1"/>
-          </a:fontRef>
-        </p:style>
-        <p:txBody>
-          <a:bodyPr rtlCol="0" anchor="ctr"/>
-          <a:lstStyle/>
-          <a:p>
-            <a:pPr algn="ctr"/>
-            <a:r>
-              <a:rPr lang="en-US" dirty="0">
-                <a:solidFill>
-                  <a:schemeClr val="tx1"/>
-                </a:solidFill>
-              </a:rPr>
-              <a:t>DCN</a:t>
+              <a:t>CNN / DCN</a:t>
             </a:r>
           </a:p>
         </p:txBody>
@@ -3553,7 +3439,22 @@
                   <a:schemeClr val="tx1"/>
                 </a:solidFill>
               </a:rPr>
-              <a:t>CNN Classifier</a:t>
+              <a:t>CNN / DCN</a:t>
+            </a:r>
+            <a:br>
+              <a:rPr lang="en-US" dirty="0">
+                <a:solidFill>
+                  <a:schemeClr val="tx1"/>
+                </a:solidFill>
+              </a:rPr>
+            </a:br>
+            <a:r>
+              <a:rPr lang="en-US" dirty="0">
+                <a:solidFill>
+                  <a:schemeClr val="tx1"/>
+                </a:solidFill>
+              </a:rPr>
+              <a:t>Model</a:t>
             </a:r>
           </a:p>
         </p:txBody>
@@ -3572,8 +3473,8 @@
         </p:nvSpPr>
         <p:spPr>
           <a:xfrm>
-            <a:off x="579120" y="2214880"/>
-            <a:ext cx="1737360" cy="369332"/>
+            <a:off x="1330960" y="1588254"/>
+            <a:ext cx="980440" cy="382786"/>
           </a:xfrm>
           <a:prstGeom prst="rect">
             <a:avLst/>
@@ -3588,7 +3489,7 @@
           <a:p>
             <a:r>
               <a:rPr lang="en-US" dirty="0"/>
-              <a:t>Training Dataset</a:t>
+              <a:t>Dataset</a:t>
             </a:r>
           </a:p>
         </p:txBody>
@@ -3607,8 +3508,8 @@
         </p:nvSpPr>
         <p:spPr>
           <a:xfrm>
-            <a:off x="5029200" y="264161"/>
-            <a:ext cx="1737360" cy="369332"/>
+            <a:off x="5029200" y="233681"/>
+            <a:ext cx="1737360" cy="461665"/>
           </a:xfrm>
           <a:prstGeom prst="rect">
             <a:avLst/>
@@ -3622,8 +3523,8 @@
           <a:lstStyle/>
           <a:p>
             <a:r>
-              <a:rPr lang="en-US" dirty="0"/>
-              <a:t>Testing Dataset</a:t>
+              <a:rPr lang="en-US" sz="2400" b="1" dirty="0"/>
+              <a:t>Training</a:t>
             </a:r>
           </a:p>
         </p:txBody>
@@ -3638,6 +3539,7 @@
             </a:extLst>
           </p:cNvPr>
           <p:cNvCxnSpPr>
+            <a:cxnSpLocks/>
             <a:stCxn id="8" idx="3"/>
             <a:endCxn id="4" idx="1"/>
           </p:cNvCxnSpPr>
@@ -3645,50 +3547,8 @@
         </p:nvCxnSpPr>
         <p:spPr>
           <a:xfrm flipV="1">
-            <a:off x="2316480" y="1772920"/>
-            <a:ext cx="965200" cy="626626"/>
-          </a:xfrm>
-          <a:prstGeom prst="straightConnector1">
-            <a:avLst/>
-          </a:prstGeom>
-          <a:ln w="19050">
-            <a:tailEnd type="triangle"/>
-          </a:ln>
-        </p:spPr>
-        <p:style>
-          <a:lnRef idx="1">
-            <a:schemeClr val="accent1"/>
-          </a:lnRef>
-          <a:fillRef idx="0">
-            <a:schemeClr val="accent1"/>
-          </a:fillRef>
-          <a:effectRef idx="0">
-            <a:schemeClr val="accent1"/>
-          </a:effectRef>
-          <a:fontRef idx="minor">
-            <a:schemeClr val="tx1"/>
-          </a:fontRef>
-        </p:style>
-      </p:cxnSp>
-      <p:cxnSp>
-        <p:nvCxnSpPr>
-          <p:cNvPr id="12" name="Straight Arrow Connector 11">
-            <a:extLst>
-              <a:ext uri="{FF2B5EF4-FFF2-40B4-BE49-F238E27FC236}">
-                <a16:creationId xmlns:a16="http://schemas.microsoft.com/office/drawing/2014/main" id="{805C42A4-365A-419C-8279-671C86DAC74B}"/>
-              </a:ext>
-            </a:extLst>
-          </p:cNvPr>
-          <p:cNvCxnSpPr>
-            <a:cxnSpLocks/>
-            <a:endCxn id="6" idx="1"/>
-          </p:cNvCxnSpPr>
-          <p:nvPr/>
-        </p:nvCxnSpPr>
-        <p:spPr>
-          <a:xfrm>
-            <a:off x="2316480" y="2379980"/>
-            <a:ext cx="980440" cy="607060"/>
+            <a:off x="2311400" y="1772920"/>
+            <a:ext cx="970280" cy="6727"/>
           </a:xfrm>
           <a:prstGeom prst="straightConnector1">
             <a:avLst/>
@@ -3756,23 +3616,305 @@
       </p:cxnSp>
       <p:cxnSp>
         <p:nvCxnSpPr>
-          <p:cNvPr id="18" name="Straight Arrow Connector 17">
-            <a:extLst>
-              <a:ext uri="{FF2B5EF4-FFF2-40B4-BE49-F238E27FC236}">
-                <a16:creationId xmlns:a16="http://schemas.microsoft.com/office/drawing/2014/main" id="{9BBEC390-8636-405C-B124-6104510797C0}"/>
+          <p:cNvPr id="32" name="Straight Arrow Connector 31">
+            <a:extLst>
+              <a:ext uri="{FF2B5EF4-FFF2-40B4-BE49-F238E27FC236}">
+                <a16:creationId xmlns:a16="http://schemas.microsoft.com/office/drawing/2014/main" id="{A1C368BF-F828-4A5E-B766-D07398120152}"/>
               </a:ext>
             </a:extLst>
           </p:cNvPr>
           <p:cNvCxnSpPr>
             <a:cxnSpLocks/>
-            <a:endCxn id="5" idx="1"/>
+            <a:endCxn id="4" idx="0"/>
           </p:cNvCxnSpPr>
           <p:nvPr/>
         </p:nvCxnSpPr>
         <p:spPr>
+          <a:xfrm flipH="1">
+            <a:off x="4251960" y="1018819"/>
+            <a:ext cx="1270" cy="312141"/>
+          </a:xfrm>
+          <a:prstGeom prst="straightConnector1">
+            <a:avLst/>
+          </a:prstGeom>
+          <a:ln w="19050">
+            <a:tailEnd type="triangle"/>
+          </a:ln>
+        </p:spPr>
+        <p:style>
+          <a:lnRef idx="1">
+            <a:schemeClr val="accent1"/>
+          </a:lnRef>
+          <a:fillRef idx="0">
+            <a:schemeClr val="accent1"/>
+          </a:fillRef>
+          <a:effectRef idx="0">
+            <a:schemeClr val="accent1"/>
+          </a:effectRef>
+          <a:fontRef idx="minor">
+            <a:schemeClr val="tx1"/>
+          </a:fontRef>
+        </p:style>
+      </p:cxnSp>
+      <p:sp>
+        <p:nvSpPr>
+          <p:cNvPr id="21" name="TextBox 20">
+            <a:extLst>
+              <a:ext uri="{FF2B5EF4-FFF2-40B4-BE49-F238E27FC236}">
+                <a16:creationId xmlns:a16="http://schemas.microsoft.com/office/drawing/2014/main" id="{6677F7ED-E479-4E99-80B8-3AD5E0E92F6B}"/>
+              </a:ext>
+            </a:extLst>
+          </p:cNvPr>
+          <p:cNvSpPr txBox="1"/>
+          <p:nvPr/>
+        </p:nvSpPr>
+        <p:spPr>
           <a:xfrm>
-            <a:off x="5237480" y="2983467"/>
-            <a:ext cx="1356360" cy="15519"/>
+            <a:off x="3906520" y="639327"/>
+            <a:ext cx="693420" cy="369332"/>
+          </a:xfrm>
+          <a:prstGeom prst="rect">
+            <a:avLst/>
+          </a:prstGeom>
+          <a:noFill/>
+        </p:spPr>
+        <p:txBody>
+          <a:bodyPr wrap="square" rtlCol="0">
+            <a:spAutoFit/>
+          </a:bodyPr>
+          <a:lstStyle/>
+          <a:p>
+            <a:r>
+              <a:rPr lang="en-US" dirty="0"/>
+              <a:t>Tags</a:t>
+            </a:r>
+          </a:p>
+        </p:txBody>
+      </p:sp>
+      <p:sp>
+        <p:nvSpPr>
+          <p:cNvPr id="26" name="Rectangle: Rounded Corners 25">
+            <a:extLst>
+              <a:ext uri="{FF2B5EF4-FFF2-40B4-BE49-F238E27FC236}">
+                <a16:creationId xmlns:a16="http://schemas.microsoft.com/office/drawing/2014/main" id="{A6D989FA-80C0-478B-9CE0-DA8298110824}"/>
+              </a:ext>
+            </a:extLst>
+          </p:cNvPr>
+          <p:cNvSpPr/>
+          <p:nvPr/>
+        </p:nvSpPr>
+        <p:spPr>
+          <a:xfrm>
+            <a:off x="3281680" y="4445001"/>
+            <a:ext cx="1940560" cy="883920"/>
+          </a:xfrm>
+          <a:prstGeom prst="roundRect">
+            <a:avLst/>
+          </a:prstGeom>
+          <a:solidFill>
+            <a:schemeClr val="accent1">
+              <a:lumMod val="40000"/>
+              <a:lumOff val="60000"/>
+            </a:schemeClr>
+          </a:solidFill>
+        </p:spPr>
+        <p:style>
+          <a:lnRef idx="2">
+            <a:schemeClr val="accent1">
+              <a:shade val="50000"/>
+            </a:schemeClr>
+          </a:lnRef>
+          <a:fillRef idx="1">
+            <a:schemeClr val="accent1"/>
+          </a:fillRef>
+          <a:effectRef idx="0">
+            <a:schemeClr val="accent1"/>
+          </a:effectRef>
+          <a:fontRef idx="minor">
+            <a:schemeClr val="lt1"/>
+          </a:fontRef>
+        </p:style>
+        <p:txBody>
+          <a:bodyPr rtlCol="0" anchor="ctr"/>
+          <a:lstStyle/>
+          <a:p>
+            <a:pPr algn="ctr"/>
+            <a:r>
+              <a:rPr lang="en-US" dirty="0">
+                <a:solidFill>
+                  <a:schemeClr val="tx1"/>
+                </a:solidFill>
+              </a:rPr>
+              <a:t>CNN / DCN</a:t>
+            </a:r>
+          </a:p>
+        </p:txBody>
+      </p:sp>
+      <p:sp>
+        <p:nvSpPr>
+          <p:cNvPr id="27" name="Rectangle: Rounded Corners 26">
+            <a:extLst>
+              <a:ext uri="{FF2B5EF4-FFF2-40B4-BE49-F238E27FC236}">
+                <a16:creationId xmlns:a16="http://schemas.microsoft.com/office/drawing/2014/main" id="{DDE73C00-60A3-440A-9453-F2C837F9A606}"/>
+              </a:ext>
+            </a:extLst>
+          </p:cNvPr>
+          <p:cNvSpPr/>
+          <p:nvPr/>
+        </p:nvSpPr>
+        <p:spPr>
+          <a:xfrm>
+            <a:off x="6583680" y="4455161"/>
+            <a:ext cx="1940560" cy="883920"/>
+          </a:xfrm>
+          <a:prstGeom prst="roundRect">
+            <a:avLst/>
+          </a:prstGeom>
+          <a:solidFill>
+            <a:schemeClr val="accent1">
+              <a:lumMod val="40000"/>
+              <a:lumOff val="60000"/>
+            </a:schemeClr>
+          </a:solidFill>
+        </p:spPr>
+        <p:style>
+          <a:lnRef idx="2">
+            <a:schemeClr val="accent1">
+              <a:shade val="50000"/>
+            </a:schemeClr>
+          </a:lnRef>
+          <a:fillRef idx="1">
+            <a:schemeClr val="accent1"/>
+          </a:fillRef>
+          <a:effectRef idx="0">
+            <a:schemeClr val="accent1"/>
+          </a:effectRef>
+          <a:fontRef idx="minor">
+            <a:schemeClr val="lt1"/>
+          </a:fontRef>
+        </p:style>
+        <p:txBody>
+          <a:bodyPr rtlCol="0" anchor="ctr"/>
+          <a:lstStyle/>
+          <a:p>
+            <a:pPr algn="ctr"/>
+            <a:r>
+              <a:rPr lang="en-US" dirty="0">
+                <a:solidFill>
+                  <a:schemeClr val="tx1"/>
+                </a:solidFill>
+              </a:rPr>
+              <a:t>Classification</a:t>
+            </a:r>
+            <a:br>
+              <a:rPr lang="en-US" dirty="0">
+                <a:solidFill>
+                  <a:schemeClr val="tx1"/>
+                </a:solidFill>
+              </a:rPr>
+            </a:br>
+            <a:r>
+              <a:rPr lang="en-US" dirty="0">
+                <a:solidFill>
+                  <a:schemeClr val="tx1"/>
+                </a:solidFill>
+              </a:rPr>
+              <a:t>and probability for each region</a:t>
+            </a:r>
+          </a:p>
+        </p:txBody>
+      </p:sp>
+      <p:sp>
+        <p:nvSpPr>
+          <p:cNvPr id="30" name="TextBox 29">
+            <a:extLst>
+              <a:ext uri="{FF2B5EF4-FFF2-40B4-BE49-F238E27FC236}">
+                <a16:creationId xmlns:a16="http://schemas.microsoft.com/office/drawing/2014/main" id="{E0C64E36-7DCE-4B46-87C7-7435A291483A}"/>
+              </a:ext>
+            </a:extLst>
+          </p:cNvPr>
+          <p:cNvSpPr txBox="1"/>
+          <p:nvPr/>
+        </p:nvSpPr>
+        <p:spPr>
+          <a:xfrm>
+            <a:off x="1117600" y="4570215"/>
+            <a:ext cx="1315720" cy="646331"/>
+          </a:xfrm>
+          <a:prstGeom prst="rect">
+            <a:avLst/>
+          </a:prstGeom>
+          <a:noFill/>
+        </p:spPr>
+        <p:txBody>
+          <a:bodyPr wrap="square" rtlCol="0">
+            <a:spAutoFit/>
+          </a:bodyPr>
+          <a:lstStyle/>
+          <a:p>
+            <a:pPr algn="ctr"/>
+            <a:r>
+              <a:rPr lang="en-US" dirty="0"/>
+              <a:t>Untagged image </a:t>
+            </a:r>
+          </a:p>
+        </p:txBody>
+      </p:sp>
+      <p:sp>
+        <p:nvSpPr>
+          <p:cNvPr id="31" name="TextBox 30">
+            <a:extLst>
+              <a:ext uri="{FF2B5EF4-FFF2-40B4-BE49-F238E27FC236}">
+                <a16:creationId xmlns:a16="http://schemas.microsoft.com/office/drawing/2014/main" id="{99516F2B-0256-4C52-AFF6-55B8F7A6A0E9}"/>
+              </a:ext>
+            </a:extLst>
+          </p:cNvPr>
+          <p:cNvSpPr txBox="1"/>
+          <p:nvPr/>
+        </p:nvSpPr>
+        <p:spPr>
+          <a:xfrm>
+            <a:off x="5029200" y="3347722"/>
+            <a:ext cx="1737360" cy="461665"/>
+          </a:xfrm>
+          <a:prstGeom prst="rect">
+            <a:avLst/>
+          </a:prstGeom>
+          <a:noFill/>
+        </p:spPr>
+        <p:txBody>
+          <a:bodyPr wrap="square" rtlCol="0">
+            <a:spAutoFit/>
+          </a:bodyPr>
+          <a:lstStyle/>
+          <a:p>
+            <a:r>
+              <a:rPr lang="en-US" sz="2400" b="1" dirty="0"/>
+              <a:t>Testing</a:t>
+            </a:r>
+            <a:endParaRPr lang="en-US" b="1" dirty="0"/>
+          </a:p>
+        </p:txBody>
+      </p:sp>
+      <p:cxnSp>
+        <p:nvCxnSpPr>
+          <p:cNvPr id="34" name="Straight Arrow Connector 33">
+            <a:extLst>
+              <a:ext uri="{FF2B5EF4-FFF2-40B4-BE49-F238E27FC236}">
+                <a16:creationId xmlns:a16="http://schemas.microsoft.com/office/drawing/2014/main" id="{318CBF3D-2E05-41D5-A291-7AB3D1B0D5AE}"/>
+              </a:ext>
+            </a:extLst>
+          </p:cNvPr>
+          <p:cNvCxnSpPr>
+            <a:cxnSpLocks/>
+            <a:endCxn id="27" idx="1"/>
+          </p:cNvCxnSpPr>
+          <p:nvPr/>
+        </p:nvCxnSpPr>
+        <p:spPr>
+          <a:xfrm flipV="1">
+            <a:off x="5227320" y="4897121"/>
+            <a:ext cx="1356360" cy="27940"/>
           </a:xfrm>
           <a:prstGeom prst="straightConnector1">
             <a:avLst/>
@@ -3798,23 +3940,99 @@
       </p:cxnSp>
       <p:cxnSp>
         <p:nvCxnSpPr>
-          <p:cNvPr id="23" name="Straight Arrow Connector 22">
-            <a:extLst>
-              <a:ext uri="{FF2B5EF4-FFF2-40B4-BE49-F238E27FC236}">
-                <a16:creationId xmlns:a16="http://schemas.microsoft.com/office/drawing/2014/main" id="{CDEAAE88-80C1-4984-B116-836398C6BE37}"/>
+          <p:cNvPr id="35" name="Straight Arrow Connector 34">
+            <a:extLst>
+              <a:ext uri="{FF2B5EF4-FFF2-40B4-BE49-F238E27FC236}">
+                <a16:creationId xmlns:a16="http://schemas.microsoft.com/office/drawing/2014/main" id="{55595573-8477-4D9B-B37E-992C06506100}"/>
               </a:ext>
             </a:extLst>
           </p:cNvPr>
           <p:cNvCxnSpPr>
             <a:cxnSpLocks/>
-            <a:endCxn id="7" idx="1"/>
+            <a:endCxn id="26" idx="0"/>
+          </p:cNvCxnSpPr>
+          <p:nvPr/>
+        </p:nvCxnSpPr>
+        <p:spPr>
+          <a:xfrm flipH="1">
+            <a:off x="4251960" y="4132860"/>
+            <a:ext cx="1270" cy="312141"/>
+          </a:xfrm>
+          <a:prstGeom prst="straightConnector1">
+            <a:avLst/>
+          </a:prstGeom>
+          <a:ln w="19050">
+            <a:tailEnd type="triangle"/>
+          </a:ln>
+        </p:spPr>
+        <p:style>
+          <a:lnRef idx="1">
+            <a:schemeClr val="accent1"/>
+          </a:lnRef>
+          <a:fillRef idx="0">
+            <a:schemeClr val="accent1"/>
+          </a:fillRef>
+          <a:effectRef idx="0">
+            <a:schemeClr val="accent1"/>
+          </a:effectRef>
+          <a:fontRef idx="minor">
+            <a:schemeClr val="tx1"/>
+          </a:fontRef>
+        </p:style>
+      </p:cxnSp>
+      <p:sp>
+        <p:nvSpPr>
+          <p:cNvPr id="36" name="TextBox 35">
+            <a:extLst>
+              <a:ext uri="{FF2B5EF4-FFF2-40B4-BE49-F238E27FC236}">
+                <a16:creationId xmlns:a16="http://schemas.microsoft.com/office/drawing/2014/main" id="{B5804DD5-918D-4405-82C3-79ECB55C3659}"/>
+              </a:ext>
+            </a:extLst>
+          </p:cNvPr>
+          <p:cNvSpPr txBox="1"/>
+          <p:nvPr/>
+        </p:nvSpPr>
+        <p:spPr>
+          <a:xfrm>
+            <a:off x="3484881" y="3753368"/>
+            <a:ext cx="1737359" cy="369332"/>
+          </a:xfrm>
+          <a:prstGeom prst="rect">
+            <a:avLst/>
+          </a:prstGeom>
+          <a:noFill/>
+        </p:spPr>
+        <p:txBody>
+          <a:bodyPr wrap="square" rtlCol="0">
+            <a:spAutoFit/>
+          </a:bodyPr>
+          <a:lstStyle/>
+          <a:p>
+            <a:r>
+              <a:rPr lang="en-US" dirty="0"/>
+              <a:t>Trained Model</a:t>
+            </a:r>
+          </a:p>
+        </p:txBody>
+      </p:sp>
+      <p:cxnSp>
+        <p:nvCxnSpPr>
+          <p:cNvPr id="37" name="Straight Arrow Connector 36">
+            <a:extLst>
+              <a:ext uri="{FF2B5EF4-FFF2-40B4-BE49-F238E27FC236}">
+                <a16:creationId xmlns:a16="http://schemas.microsoft.com/office/drawing/2014/main" id="{CC790F12-152A-496B-B0DD-F20D8FD0309F}"/>
+              </a:ext>
+            </a:extLst>
+          </p:cNvPr>
+          <p:cNvCxnSpPr>
+            <a:cxnSpLocks/>
           </p:cNvCxnSpPr>
           <p:nvPr/>
         </p:nvCxnSpPr>
         <p:spPr>
           <a:xfrm>
-            <a:off x="5897880" y="647463"/>
-            <a:ext cx="695960" cy="1125457"/>
+            <a:off x="8524240" y="4646485"/>
+            <a:ext cx="1356360" cy="240476"/>
           </a:xfrm>
           <a:prstGeom prst="straightConnector1">
             <a:avLst/>
@@ -3840,23 +4058,22 @@
       </p:cxnSp>
       <p:cxnSp>
         <p:nvCxnSpPr>
-          <p:cNvPr id="25" name="Straight Arrow Connector 24">
-            <a:extLst>
-              <a:ext uri="{FF2B5EF4-FFF2-40B4-BE49-F238E27FC236}">
-                <a16:creationId xmlns:a16="http://schemas.microsoft.com/office/drawing/2014/main" id="{8FC3D6AC-F1C9-44FA-BF8C-C8A322798884}"/>
+          <p:cNvPr id="38" name="Straight Arrow Connector 37">
+            <a:extLst>
+              <a:ext uri="{FF2B5EF4-FFF2-40B4-BE49-F238E27FC236}">
+                <a16:creationId xmlns:a16="http://schemas.microsoft.com/office/drawing/2014/main" id="{BECC45B8-9BC3-4686-BF92-8E9D597EECC8}"/>
               </a:ext>
             </a:extLst>
           </p:cNvPr>
           <p:cNvCxnSpPr>
             <a:cxnSpLocks/>
-            <a:endCxn id="5" idx="1"/>
           </p:cNvCxnSpPr>
           <p:nvPr/>
         </p:nvCxnSpPr>
         <p:spPr>
-          <a:xfrm>
-            <a:off x="5915660" y="647462"/>
-            <a:ext cx="678180" cy="2351524"/>
+          <a:xfrm flipV="1">
+            <a:off x="8534400" y="4992783"/>
+            <a:ext cx="1346200" cy="146463"/>
           </a:xfrm>
           <a:prstGeom prst="straightConnector1">
             <a:avLst/>
@@ -3882,10 +4099,10 @@
       </p:cxnSp>
       <p:sp>
         <p:nvSpPr>
-          <p:cNvPr id="28" name="TextBox 27">
-            <a:extLst>
-              <a:ext uri="{FF2B5EF4-FFF2-40B4-BE49-F238E27FC236}">
-                <a16:creationId xmlns:a16="http://schemas.microsoft.com/office/drawing/2014/main" id="{F0A8C36F-BF9C-46E0-8010-5F850F4DA864}"/>
+          <p:cNvPr id="39" name="TextBox 38">
+            <a:extLst>
+              <a:ext uri="{FF2B5EF4-FFF2-40B4-BE49-F238E27FC236}">
+                <a16:creationId xmlns:a16="http://schemas.microsoft.com/office/drawing/2014/main" id="{7B4B5BBE-3BE6-4762-A85E-946C89A1BE88}"/>
               </a:ext>
             </a:extLst>
           </p:cNvPr>
@@ -3894,8 +4111,8 @@
         </p:nvSpPr>
         <p:spPr>
           <a:xfrm>
-            <a:off x="9227820" y="2214880"/>
-            <a:ext cx="1930400" cy="369332"/>
+            <a:off x="9890760" y="4769914"/>
+            <a:ext cx="1737360" cy="369332"/>
           </a:xfrm>
           <a:prstGeom prst="rect">
             <a:avLst/>
@@ -3910,95 +4127,81 @@
           <a:p>
             <a:r>
               <a:rPr lang="en-US" dirty="0"/>
-              <a:t>Compare Results</a:t>
-            </a:r>
-          </a:p>
-        </p:txBody>
-      </p:sp>
-      <p:cxnSp>
-        <p:nvCxnSpPr>
-          <p:cNvPr id="29" name="Straight Arrow Connector 28">
-            <a:extLst>
-              <a:ext uri="{FF2B5EF4-FFF2-40B4-BE49-F238E27FC236}">
-                <a16:creationId xmlns:a16="http://schemas.microsoft.com/office/drawing/2014/main" id="{DAB35164-9316-4D9D-A973-8FDA1F59B5D9}"/>
-              </a:ext>
-            </a:extLst>
-          </p:cNvPr>
-          <p:cNvCxnSpPr>
-            <a:cxnSpLocks/>
-            <a:endCxn id="28" idx="1"/>
-          </p:cNvCxnSpPr>
+              <a:t>Compare results</a:t>
+            </a:r>
+          </a:p>
+        </p:txBody>
+      </p:sp>
+      <p:sp>
+        <p:nvSpPr>
+          <p:cNvPr id="40" name="TextBox 39">
+            <a:extLst>
+              <a:ext uri="{FF2B5EF4-FFF2-40B4-BE49-F238E27FC236}">
+                <a16:creationId xmlns:a16="http://schemas.microsoft.com/office/drawing/2014/main" id="{D75F5466-6E39-46D1-8DA4-215F3ED86917}"/>
+              </a:ext>
+            </a:extLst>
+          </p:cNvPr>
+          <p:cNvSpPr txBox="1"/>
           <p:nvPr/>
-        </p:nvCxnSpPr>
+        </p:nvSpPr>
         <p:spPr>
-          <a:xfrm>
-            <a:off x="8534400" y="1786890"/>
-            <a:ext cx="693420" cy="612656"/>
+          <a:xfrm rot="752220">
+            <a:off x="8544560" y="4399074"/>
+            <a:ext cx="1737360" cy="369332"/>
           </a:xfrm>
-          <a:prstGeom prst="straightConnector1">
+          <a:prstGeom prst="rect">
             <a:avLst/>
           </a:prstGeom>
-          <a:ln w="19050">
-            <a:tailEnd type="triangle"/>
-          </a:ln>
+          <a:noFill/>
         </p:spPr>
-        <p:style>
-          <a:lnRef idx="1">
-            <a:schemeClr val="accent1"/>
-          </a:lnRef>
-          <a:fillRef idx="0">
-            <a:schemeClr val="accent1"/>
-          </a:fillRef>
-          <a:effectRef idx="0">
-            <a:schemeClr val="accent1"/>
-          </a:effectRef>
-          <a:fontRef idx="minor">
-            <a:schemeClr val="tx1"/>
-          </a:fontRef>
-        </p:style>
-      </p:cxnSp>
-      <p:cxnSp>
-        <p:nvCxnSpPr>
-          <p:cNvPr id="32" name="Straight Arrow Connector 31">
-            <a:extLst>
-              <a:ext uri="{FF2B5EF4-FFF2-40B4-BE49-F238E27FC236}">
-                <a16:creationId xmlns:a16="http://schemas.microsoft.com/office/drawing/2014/main" id="{A1C368BF-F828-4A5E-B766-D07398120152}"/>
-              </a:ext>
-            </a:extLst>
-          </p:cNvPr>
-          <p:cNvCxnSpPr>
-            <a:cxnSpLocks/>
-            <a:endCxn id="28" idx="1"/>
-          </p:cNvCxnSpPr>
+        <p:txBody>
+          <a:bodyPr wrap="square" rtlCol="0">
+            <a:spAutoFit/>
+          </a:bodyPr>
+          <a:lstStyle/>
+          <a:p>
+            <a:r>
+              <a:rPr lang="en-US" dirty="0"/>
+              <a:t>CNN results</a:t>
+            </a:r>
+          </a:p>
+        </p:txBody>
+      </p:sp>
+      <p:sp>
+        <p:nvSpPr>
+          <p:cNvPr id="41" name="TextBox 40">
+            <a:extLst>
+              <a:ext uri="{FF2B5EF4-FFF2-40B4-BE49-F238E27FC236}">
+                <a16:creationId xmlns:a16="http://schemas.microsoft.com/office/drawing/2014/main" id="{39B0923C-9323-4C26-A51E-EF8AF60C5DE5}"/>
+              </a:ext>
+            </a:extLst>
+          </p:cNvPr>
+          <p:cNvSpPr txBox="1"/>
           <p:nvPr/>
-        </p:nvCxnSpPr>
+        </p:nvSpPr>
         <p:spPr>
-          <a:xfrm flipV="1">
-            <a:off x="8534400" y="2399546"/>
-            <a:ext cx="693420" cy="612656"/>
+          <a:xfrm rot="21174596">
+            <a:off x="8482653" y="5014384"/>
+            <a:ext cx="1737360" cy="369332"/>
           </a:xfrm>
-          <a:prstGeom prst="straightConnector1">
+          <a:prstGeom prst="rect">
             <a:avLst/>
           </a:prstGeom>
-          <a:ln w="19050">
-            <a:tailEnd type="triangle"/>
-          </a:ln>
+          <a:noFill/>
         </p:spPr>
-        <p:style>
-          <a:lnRef idx="1">
-            <a:schemeClr val="accent1"/>
-          </a:lnRef>
-          <a:fillRef idx="0">
-            <a:schemeClr val="accent1"/>
-          </a:fillRef>
-          <a:effectRef idx="0">
-            <a:schemeClr val="accent1"/>
-          </a:effectRef>
-          <a:fontRef idx="minor">
-            <a:schemeClr val="tx1"/>
-          </a:fontRef>
-        </p:style>
-      </p:cxnSp>
+        <p:txBody>
+          <a:bodyPr wrap="square" rtlCol="0">
+            <a:spAutoFit/>
+          </a:bodyPr>
+          <a:lstStyle/>
+          <a:p>
+            <a:r>
+              <a:rPr lang="en-US" dirty="0"/>
+              <a:t>DCN results</a:t>
+            </a:r>
+          </a:p>
+        </p:txBody>
+      </p:sp>
     </p:spTree>
     <p:extLst>
       <p:ext uri="{BB962C8B-B14F-4D97-AF65-F5344CB8AC3E}">
